--- a/DOCUMENTOS/ARTEFACTOS/Planificación de Lanzamiento.pptx
+++ b/DOCUMENTOS/ARTEFACTOS/Planificación de Lanzamiento.pptx
@@ -34463,7 +34463,7 @@
 </file>
 
 <file path=ppt/theme/theme1.xml><?xml version="1.0" encoding="utf-8"?>
-<a:theme xmlns:a="http://schemas.openxmlformats.org/drawingml/2006/main" xmlns:r="http://schemas.openxmlformats.org/officeDocument/2006/relationships" name="HDOfficeLightV0">
+<a:theme xmlns:a="http://schemas.openxmlformats.org/drawingml/2006/main" xmlns:r="http://schemas.openxmlformats.org/officeDocument/2006/relationships" name="1_HDOfficeLightV0">
   <a:themeElements>
     <a:clrScheme name="Office">
       <a:dk1>
@@ -35021,7 +35021,7 @@
 </file>
 
 <file path=ppt/theme/theme3.xml><?xml version="1.0" encoding="utf-8"?>
-<a:theme xmlns:a="http://schemas.openxmlformats.org/drawingml/2006/main" xmlns:r="http://schemas.openxmlformats.org/officeDocument/2006/relationships" name="1_HDOfficeLightV0">
+<a:theme xmlns:a="http://schemas.openxmlformats.org/drawingml/2006/main" xmlns:r="http://schemas.openxmlformats.org/officeDocument/2006/relationships" name="HDOfficeLightV0">
   <a:themeElements>
     <a:clrScheme name="Office">
       <a:dk1>
